--- a/docs/Figures.pptx
+++ b/docs/Figures.pptx
@@ -6,11 +6,12 @@
   </p:sldMasterIdLst>
   <p:sldIdLst>
     <p:sldId id="262" r:id="rId2"/>
-    <p:sldId id="261" r:id="rId3"/>
-    <p:sldId id="257" r:id="rId4"/>
-    <p:sldId id="258" r:id="rId5"/>
-    <p:sldId id="259" r:id="rId6"/>
-    <p:sldId id="260" r:id="rId7"/>
+    <p:sldId id="263" r:id="rId3"/>
+    <p:sldId id="261" r:id="rId4"/>
+    <p:sldId id="257" r:id="rId5"/>
+    <p:sldId id="258" r:id="rId6"/>
+    <p:sldId id="259" r:id="rId7"/>
+    <p:sldId id="260" r:id="rId8"/>
   </p:sldIdLst>
   <p:sldSz cx="12192000" cy="6858000"/>
   <p:notesSz cx="6858000" cy="9144000"/>
@@ -109,6 +110,11 @@
       </a:defRPr>
     </a:lvl9pPr>
   </p:defaultTextStyle>
+  <p:extLst>
+    <p:ext uri="{EFAFB233-063F-42B5-8137-9DF3F51BA10A}">
+      <p15:sldGuideLst xmlns:p15="http://schemas.microsoft.com/office/powerpoint/2012/main"/>
+    </p:ext>
+  </p:extLst>
 </p:presentation>
 </file>
 
@@ -261,7 +267,7 @@
           <a:p>
             <a:fld id="{1B50286E-0A45-424A-A6D6-B3B29B5370E0}" type="datetimeFigureOut">
               <a:rPr lang="en-GB" smtClean="0"/>
-              <a:t>12/09/2022</a:t>
+              <a:t>22/09/2022</a:t>
             </a:fld>
             <a:endParaRPr lang="en-GB"/>
           </a:p>
@@ -461,7 +467,7 @@
           <a:p>
             <a:fld id="{1B50286E-0A45-424A-A6D6-B3B29B5370E0}" type="datetimeFigureOut">
               <a:rPr lang="en-GB" smtClean="0"/>
-              <a:t>12/09/2022</a:t>
+              <a:t>22/09/2022</a:t>
             </a:fld>
             <a:endParaRPr lang="en-GB"/>
           </a:p>
@@ -671,7 +677,7 @@
           <a:p>
             <a:fld id="{1B50286E-0A45-424A-A6D6-B3B29B5370E0}" type="datetimeFigureOut">
               <a:rPr lang="en-GB" smtClean="0"/>
-              <a:t>12/09/2022</a:t>
+              <a:t>22/09/2022</a:t>
             </a:fld>
             <a:endParaRPr lang="en-GB"/>
           </a:p>
@@ -871,7 +877,7 @@
           <a:p>
             <a:fld id="{1B50286E-0A45-424A-A6D6-B3B29B5370E0}" type="datetimeFigureOut">
               <a:rPr lang="en-GB" smtClean="0"/>
-              <a:t>12/09/2022</a:t>
+              <a:t>22/09/2022</a:t>
             </a:fld>
             <a:endParaRPr lang="en-GB"/>
           </a:p>
@@ -1147,7 +1153,7 @@
           <a:p>
             <a:fld id="{1B50286E-0A45-424A-A6D6-B3B29B5370E0}" type="datetimeFigureOut">
               <a:rPr lang="en-GB" smtClean="0"/>
-              <a:t>12/09/2022</a:t>
+              <a:t>22/09/2022</a:t>
             </a:fld>
             <a:endParaRPr lang="en-GB"/>
           </a:p>
@@ -1415,7 +1421,7 @@
           <a:p>
             <a:fld id="{1B50286E-0A45-424A-A6D6-B3B29B5370E0}" type="datetimeFigureOut">
               <a:rPr lang="en-GB" smtClean="0"/>
-              <a:t>12/09/2022</a:t>
+              <a:t>22/09/2022</a:t>
             </a:fld>
             <a:endParaRPr lang="en-GB"/>
           </a:p>
@@ -1830,7 +1836,7 @@
           <a:p>
             <a:fld id="{1B50286E-0A45-424A-A6D6-B3B29B5370E0}" type="datetimeFigureOut">
               <a:rPr lang="en-GB" smtClean="0"/>
-              <a:t>12/09/2022</a:t>
+              <a:t>22/09/2022</a:t>
             </a:fld>
             <a:endParaRPr lang="en-GB"/>
           </a:p>
@@ -1972,7 +1978,7 @@
           <a:p>
             <a:fld id="{1B50286E-0A45-424A-A6D6-B3B29B5370E0}" type="datetimeFigureOut">
               <a:rPr lang="en-GB" smtClean="0"/>
-              <a:t>12/09/2022</a:t>
+              <a:t>22/09/2022</a:t>
             </a:fld>
             <a:endParaRPr lang="en-GB"/>
           </a:p>
@@ -2085,7 +2091,7 @@
           <a:p>
             <a:fld id="{1B50286E-0A45-424A-A6D6-B3B29B5370E0}" type="datetimeFigureOut">
               <a:rPr lang="en-GB" smtClean="0"/>
-              <a:t>12/09/2022</a:t>
+              <a:t>22/09/2022</a:t>
             </a:fld>
             <a:endParaRPr lang="en-GB"/>
           </a:p>
@@ -2398,7 +2404,7 @@
           <a:p>
             <a:fld id="{1B50286E-0A45-424A-A6D6-B3B29B5370E0}" type="datetimeFigureOut">
               <a:rPr lang="en-GB" smtClean="0"/>
-              <a:t>12/09/2022</a:t>
+              <a:t>22/09/2022</a:t>
             </a:fld>
             <a:endParaRPr lang="en-GB"/>
           </a:p>
@@ -2687,7 +2693,7 @@
           <a:p>
             <a:fld id="{1B50286E-0A45-424A-A6D6-B3B29B5370E0}" type="datetimeFigureOut">
               <a:rPr lang="en-GB" smtClean="0"/>
-              <a:t>12/09/2022</a:t>
+              <a:t>22/09/2022</a:t>
             </a:fld>
             <a:endParaRPr lang="en-GB"/>
           </a:p>
@@ -2930,7 +2936,7 @@
           <a:p>
             <a:fld id="{1B50286E-0A45-424A-A6D6-B3B29B5370E0}" type="datetimeFigureOut">
               <a:rPr lang="en-GB" smtClean="0"/>
-              <a:t>12/09/2022</a:t>
+              <a:t>22/09/2022</a:t>
             </a:fld>
             <a:endParaRPr lang="en-GB"/>
           </a:p>
@@ -9637,6 +9643,66 @@
       </p:grpSpPr>
       <p:pic>
         <p:nvPicPr>
+          <p:cNvPr id="4" name="Picture 3">
+            <a:extLst>
+              <a:ext uri="{FF2B5EF4-FFF2-40B4-BE49-F238E27FC236}">
+                <a16:creationId xmlns:a16="http://schemas.microsoft.com/office/drawing/2014/main" id="{2A6BE1D5-08A4-61FC-BD46-31B1098264FC}"/>
+              </a:ext>
+            </a:extLst>
+          </p:cNvPr>
+          <p:cNvPicPr>
+            <a:picLocks noChangeAspect="1"/>
+          </p:cNvPicPr>
+          <p:nvPr/>
+        </p:nvPicPr>
+        <p:blipFill>
+          <a:blip r:embed="rId2"/>
+          <a:stretch>
+            <a:fillRect/>
+          </a:stretch>
+        </p:blipFill>
+        <p:spPr>
+          <a:xfrm>
+            <a:off x="106161" y="66764"/>
+            <a:ext cx="11979678" cy="6724471"/>
+          </a:xfrm>
+          <a:prstGeom prst="rect">
+            <a:avLst/>
+          </a:prstGeom>
+        </p:spPr>
+      </p:pic>
+    </p:spTree>
+    <p:extLst>
+      <p:ext uri="{BB962C8B-B14F-4D97-AF65-F5344CB8AC3E}">
+        <p14:creationId xmlns:p14="http://schemas.microsoft.com/office/powerpoint/2010/main" val="2819237063"/>
+      </p:ext>
+    </p:extLst>
+  </p:cSld>
+  <p:clrMapOvr>
+    <a:masterClrMapping/>
+  </p:clrMapOvr>
+</p:sld>
+</file>
+
+<file path=ppt/slides/slide3.xml><?xml version="1.0" encoding="utf-8"?>
+<p:sld xmlns:a="http://schemas.openxmlformats.org/drawingml/2006/main" xmlns:r="http://schemas.openxmlformats.org/officeDocument/2006/relationships" xmlns:p="http://schemas.openxmlformats.org/presentationml/2006/main">
+  <p:cSld>
+    <p:spTree>
+      <p:nvGrpSpPr>
+        <p:cNvPr id="1" name=""/>
+        <p:cNvGrpSpPr/>
+        <p:nvPr/>
+      </p:nvGrpSpPr>
+      <p:grpSpPr>
+        <a:xfrm>
+          <a:off x="0" y="0"/>
+          <a:ext cx="0" cy="0"/>
+          <a:chOff x="0" y="0"/>
+          <a:chExt cx="0" cy="0"/>
+        </a:xfrm>
+      </p:grpSpPr>
+      <p:pic>
+        <p:nvPicPr>
           <p:cNvPr id="3" name="Picture 2">
             <a:extLst>
               <a:ext uri="{FF2B5EF4-FFF2-40B4-BE49-F238E27FC236}">
@@ -9713,7 +9779,7 @@
 </p:sld>
 </file>
 
-<file path=ppt/slides/slide3.xml><?xml version="1.0" encoding="utf-8"?>
+<file path=ppt/slides/slide4.xml><?xml version="1.0" encoding="utf-8"?>
 <p:sld xmlns:a="http://schemas.openxmlformats.org/drawingml/2006/main" xmlns:r="http://schemas.openxmlformats.org/officeDocument/2006/relationships" xmlns:p="http://schemas.openxmlformats.org/presentationml/2006/main">
   <p:cSld>
     <p:spTree>
@@ -9808,7 +9874,7 @@
 </p:sld>
 </file>
 
-<file path=ppt/slides/slide4.xml><?xml version="1.0" encoding="utf-8"?>
+<file path=ppt/slides/slide5.xml><?xml version="1.0" encoding="utf-8"?>
 <p:sld xmlns:a="http://schemas.openxmlformats.org/drawingml/2006/main" xmlns:r="http://schemas.openxmlformats.org/officeDocument/2006/relationships" xmlns:p="http://schemas.openxmlformats.org/presentationml/2006/main">
   <p:cSld>
     <p:spTree>
@@ -9903,7 +9969,7 @@
 </p:sld>
 </file>
 
-<file path=ppt/slides/slide5.xml><?xml version="1.0" encoding="utf-8"?>
+<file path=ppt/slides/slide6.xml><?xml version="1.0" encoding="utf-8"?>
 <p:sld xmlns:a="http://schemas.openxmlformats.org/drawingml/2006/main" xmlns:r="http://schemas.openxmlformats.org/officeDocument/2006/relationships" xmlns:p="http://schemas.openxmlformats.org/presentationml/2006/main">
   <p:cSld>
     <p:spTree>
@@ -9968,7 +10034,7 @@
 </p:sld>
 </file>
 
-<file path=ppt/slides/slide6.xml><?xml version="1.0" encoding="utf-8"?>
+<file path=ppt/slides/slide7.xml><?xml version="1.0" encoding="utf-8"?>
 <p:sld xmlns:a="http://schemas.openxmlformats.org/drawingml/2006/main" xmlns:r="http://schemas.openxmlformats.org/officeDocument/2006/relationships" xmlns:p="http://schemas.openxmlformats.org/presentationml/2006/main">
   <p:cSld>
     <p:spTree>

--- a/docs/Figures.pptx
+++ b/docs/Figures.pptx
@@ -12,6 +12,7 @@
     <p:sldId id="258" r:id="rId6"/>
     <p:sldId id="259" r:id="rId7"/>
     <p:sldId id="260" r:id="rId8"/>
+    <p:sldId id="264" r:id="rId9"/>
   </p:sldIdLst>
   <p:sldSz cx="12192000" cy="6858000"/>
   <p:notesSz cx="6858000" cy="9144000"/>
@@ -267,7 +268,7 @@
           <a:p>
             <a:fld id="{1B50286E-0A45-424A-A6D6-B3B29B5370E0}" type="datetimeFigureOut">
               <a:rPr lang="en-GB" smtClean="0"/>
-              <a:t>22/09/2022</a:t>
+              <a:t>28/10/2022</a:t>
             </a:fld>
             <a:endParaRPr lang="en-GB"/>
           </a:p>
@@ -467,7 +468,7 @@
           <a:p>
             <a:fld id="{1B50286E-0A45-424A-A6D6-B3B29B5370E0}" type="datetimeFigureOut">
               <a:rPr lang="en-GB" smtClean="0"/>
-              <a:t>22/09/2022</a:t>
+              <a:t>28/10/2022</a:t>
             </a:fld>
             <a:endParaRPr lang="en-GB"/>
           </a:p>
@@ -677,7 +678,7 @@
           <a:p>
             <a:fld id="{1B50286E-0A45-424A-A6D6-B3B29B5370E0}" type="datetimeFigureOut">
               <a:rPr lang="en-GB" smtClean="0"/>
-              <a:t>22/09/2022</a:t>
+              <a:t>28/10/2022</a:t>
             </a:fld>
             <a:endParaRPr lang="en-GB"/>
           </a:p>
@@ -877,7 +878,7 @@
           <a:p>
             <a:fld id="{1B50286E-0A45-424A-A6D6-B3B29B5370E0}" type="datetimeFigureOut">
               <a:rPr lang="en-GB" smtClean="0"/>
-              <a:t>22/09/2022</a:t>
+              <a:t>28/10/2022</a:t>
             </a:fld>
             <a:endParaRPr lang="en-GB"/>
           </a:p>
@@ -1153,7 +1154,7 @@
           <a:p>
             <a:fld id="{1B50286E-0A45-424A-A6D6-B3B29B5370E0}" type="datetimeFigureOut">
               <a:rPr lang="en-GB" smtClean="0"/>
-              <a:t>22/09/2022</a:t>
+              <a:t>28/10/2022</a:t>
             </a:fld>
             <a:endParaRPr lang="en-GB"/>
           </a:p>
@@ -1421,7 +1422,7 @@
           <a:p>
             <a:fld id="{1B50286E-0A45-424A-A6D6-B3B29B5370E0}" type="datetimeFigureOut">
               <a:rPr lang="en-GB" smtClean="0"/>
-              <a:t>22/09/2022</a:t>
+              <a:t>28/10/2022</a:t>
             </a:fld>
             <a:endParaRPr lang="en-GB"/>
           </a:p>
@@ -1836,7 +1837,7 @@
           <a:p>
             <a:fld id="{1B50286E-0A45-424A-A6D6-B3B29B5370E0}" type="datetimeFigureOut">
               <a:rPr lang="en-GB" smtClean="0"/>
-              <a:t>22/09/2022</a:t>
+              <a:t>28/10/2022</a:t>
             </a:fld>
             <a:endParaRPr lang="en-GB"/>
           </a:p>
@@ -1978,7 +1979,7 @@
           <a:p>
             <a:fld id="{1B50286E-0A45-424A-A6D6-B3B29B5370E0}" type="datetimeFigureOut">
               <a:rPr lang="en-GB" smtClean="0"/>
-              <a:t>22/09/2022</a:t>
+              <a:t>28/10/2022</a:t>
             </a:fld>
             <a:endParaRPr lang="en-GB"/>
           </a:p>
@@ -2091,7 +2092,7 @@
           <a:p>
             <a:fld id="{1B50286E-0A45-424A-A6D6-B3B29B5370E0}" type="datetimeFigureOut">
               <a:rPr lang="en-GB" smtClean="0"/>
-              <a:t>22/09/2022</a:t>
+              <a:t>28/10/2022</a:t>
             </a:fld>
             <a:endParaRPr lang="en-GB"/>
           </a:p>
@@ -2404,7 +2405,7 @@
           <a:p>
             <a:fld id="{1B50286E-0A45-424A-A6D6-B3B29B5370E0}" type="datetimeFigureOut">
               <a:rPr lang="en-GB" smtClean="0"/>
-              <a:t>22/09/2022</a:t>
+              <a:t>28/10/2022</a:t>
             </a:fld>
             <a:endParaRPr lang="en-GB"/>
           </a:p>
@@ -2693,7 +2694,7 @@
           <a:p>
             <a:fld id="{1B50286E-0A45-424A-A6D6-B3B29B5370E0}" type="datetimeFigureOut">
               <a:rPr lang="en-GB" smtClean="0"/>
-              <a:t>22/09/2022</a:t>
+              <a:t>28/10/2022</a:t>
             </a:fld>
             <a:endParaRPr lang="en-GB"/>
           </a:p>
@@ -2936,7 +2937,7 @@
           <a:p>
             <a:fld id="{1B50286E-0A45-424A-A6D6-B3B29B5370E0}" type="datetimeFigureOut">
               <a:rPr lang="en-GB" smtClean="0"/>
-              <a:t>22/09/2022</a:t>
+              <a:t>28/10/2022</a:t>
             </a:fld>
             <a:endParaRPr lang="en-GB"/>
           </a:p>
@@ -10129,6 +10130,235 @@
 </p:sld>
 </file>
 
+<file path=ppt/slides/slide8.xml><?xml version="1.0" encoding="utf-8"?>
+<p:sld xmlns:a="http://schemas.openxmlformats.org/drawingml/2006/main" xmlns:r="http://schemas.openxmlformats.org/officeDocument/2006/relationships" xmlns:p="http://schemas.openxmlformats.org/presentationml/2006/main">
+  <p:cSld>
+    <p:spTree>
+      <p:nvGrpSpPr>
+        <p:cNvPr id="1" name=""/>
+        <p:cNvGrpSpPr/>
+        <p:nvPr/>
+      </p:nvGrpSpPr>
+      <p:grpSpPr>
+        <a:xfrm>
+          <a:off x="0" y="0"/>
+          <a:ext cx="0" cy="0"/>
+          <a:chOff x="0" y="0"/>
+          <a:chExt cx="0" cy="0"/>
+        </a:xfrm>
+      </p:grpSpPr>
+      <p:pic>
+        <p:nvPicPr>
+          <p:cNvPr id="5" name="Picture 4" descr="Chart, line chart&#10;&#10;Description automatically generated">
+            <a:extLst>
+              <a:ext uri="{FF2B5EF4-FFF2-40B4-BE49-F238E27FC236}">
+                <a16:creationId xmlns:a16="http://schemas.microsoft.com/office/drawing/2014/main" id="{BB74D1DD-9465-60E7-0DA4-B8A6BE64C663}"/>
+              </a:ext>
+            </a:extLst>
+          </p:cNvPr>
+          <p:cNvPicPr>
+            <a:picLocks noChangeAspect="1"/>
+          </p:cNvPicPr>
+          <p:nvPr/>
+        </p:nvPicPr>
+        <p:blipFill>
+          <a:blip r:embed="rId2">
+            <a:extLst>
+              <a:ext uri="{28A0092B-C50C-407E-A947-70E740481C1C}">
+                <a14:useLocalDpi xmlns:a14="http://schemas.microsoft.com/office/drawing/2010/main" val="0"/>
+              </a:ext>
+            </a:extLst>
+          </a:blip>
+          <a:stretch>
+            <a:fillRect/>
+          </a:stretch>
+        </p:blipFill>
+        <p:spPr>
+          <a:xfrm>
+            <a:off x="5918555" y="2044605"/>
+            <a:ext cx="4620429" cy="3850357"/>
+          </a:xfrm>
+          <a:prstGeom prst="rect">
+            <a:avLst/>
+          </a:prstGeom>
+        </p:spPr>
+      </p:pic>
+      <p:pic>
+        <p:nvPicPr>
+          <p:cNvPr id="7" name="Picture 6" descr="Chart, line chart&#10;&#10;Description automatically generated">
+            <a:extLst>
+              <a:ext uri="{FF2B5EF4-FFF2-40B4-BE49-F238E27FC236}">
+                <a16:creationId xmlns:a16="http://schemas.microsoft.com/office/drawing/2014/main" id="{EAA11FF4-8AC3-BF05-5493-137F7A0942D4}"/>
+              </a:ext>
+            </a:extLst>
+          </p:cNvPr>
+          <p:cNvPicPr>
+            <a:picLocks noChangeAspect="1"/>
+          </p:cNvPicPr>
+          <p:nvPr/>
+        </p:nvPicPr>
+        <p:blipFill>
+          <a:blip r:embed="rId3">
+            <a:extLst>
+              <a:ext uri="{28A0092B-C50C-407E-A947-70E740481C1C}">
+                <a14:useLocalDpi xmlns:a14="http://schemas.microsoft.com/office/drawing/2010/main" val="0"/>
+              </a:ext>
+            </a:extLst>
+          </a:blip>
+          <a:stretch>
+            <a:fillRect/>
+          </a:stretch>
+        </p:blipFill>
+        <p:spPr>
+          <a:xfrm>
+            <a:off x="823603" y="2044605"/>
+            <a:ext cx="4620429" cy="3850357"/>
+          </a:xfrm>
+          <a:prstGeom prst="rect">
+            <a:avLst/>
+          </a:prstGeom>
+        </p:spPr>
+      </p:pic>
+      <p:cxnSp>
+        <p:nvCxnSpPr>
+          <p:cNvPr id="9" name="Straight Connector 8">
+            <a:extLst>
+              <a:ext uri="{FF2B5EF4-FFF2-40B4-BE49-F238E27FC236}">
+                <a16:creationId xmlns:a16="http://schemas.microsoft.com/office/drawing/2014/main" id="{02E379C5-97FE-9677-A021-64858F5DF61E}"/>
+              </a:ext>
+            </a:extLst>
+          </p:cNvPr>
+          <p:cNvCxnSpPr/>
+          <p:nvPr/>
+        </p:nvCxnSpPr>
+        <p:spPr>
+          <a:xfrm>
+            <a:off x="5167003" y="2258078"/>
+            <a:ext cx="5126476" cy="0"/>
+          </a:xfrm>
+          <a:prstGeom prst="line">
+            <a:avLst/>
+          </a:prstGeom>
+          <a:ln>
+            <a:prstDash val="dashDot"/>
+          </a:ln>
+        </p:spPr>
+        <p:style>
+          <a:lnRef idx="1">
+            <a:schemeClr val="accent2"/>
+          </a:lnRef>
+          <a:fillRef idx="0">
+            <a:schemeClr val="accent2"/>
+          </a:fillRef>
+          <a:effectRef idx="0">
+            <a:schemeClr val="accent2"/>
+          </a:effectRef>
+          <a:fontRef idx="minor">
+            <a:schemeClr val="tx1"/>
+          </a:fontRef>
+        </p:style>
+      </p:cxnSp>
+      <p:cxnSp>
+        <p:nvCxnSpPr>
+          <p:cNvPr id="10" name="Straight Connector 9">
+            <a:extLst>
+              <a:ext uri="{FF2B5EF4-FFF2-40B4-BE49-F238E27FC236}">
+                <a16:creationId xmlns:a16="http://schemas.microsoft.com/office/drawing/2014/main" id="{96BF5CFC-9CBD-1E1A-7290-B0114AC48380}"/>
+              </a:ext>
+            </a:extLst>
+          </p:cNvPr>
+          <p:cNvCxnSpPr>
+            <a:cxnSpLocks/>
+          </p:cNvCxnSpPr>
+          <p:nvPr/>
+        </p:nvCxnSpPr>
+        <p:spPr>
+          <a:xfrm>
+            <a:off x="2373003" y="3147078"/>
+            <a:ext cx="7920476" cy="0"/>
+          </a:xfrm>
+          <a:prstGeom prst="line">
+            <a:avLst/>
+          </a:prstGeom>
+          <a:ln>
+            <a:solidFill>
+              <a:schemeClr val="accent6">
+                <a:lumMod val="60000"/>
+                <a:lumOff val="40000"/>
+              </a:schemeClr>
+            </a:solidFill>
+            <a:prstDash val="dashDot"/>
+          </a:ln>
+        </p:spPr>
+        <p:style>
+          <a:lnRef idx="1">
+            <a:schemeClr val="accent2"/>
+          </a:lnRef>
+          <a:fillRef idx="0">
+            <a:schemeClr val="accent2"/>
+          </a:fillRef>
+          <a:effectRef idx="0">
+            <a:schemeClr val="accent2"/>
+          </a:effectRef>
+          <a:fontRef idx="minor">
+            <a:schemeClr val="tx1"/>
+          </a:fontRef>
+        </p:style>
+      </p:cxnSp>
+      <p:cxnSp>
+        <p:nvCxnSpPr>
+          <p:cNvPr id="11" name="Straight Connector 10">
+            <a:extLst>
+              <a:ext uri="{FF2B5EF4-FFF2-40B4-BE49-F238E27FC236}">
+                <a16:creationId xmlns:a16="http://schemas.microsoft.com/office/drawing/2014/main" id="{9B3864A0-CADE-7CA4-E7A4-522F1DC1AEA4}"/>
+              </a:ext>
+            </a:extLst>
+          </p:cNvPr>
+          <p:cNvCxnSpPr>
+            <a:cxnSpLocks/>
+          </p:cNvCxnSpPr>
+          <p:nvPr/>
+        </p:nvCxnSpPr>
+        <p:spPr>
+          <a:xfrm>
+            <a:off x="1932736" y="3739745"/>
+            <a:ext cx="8360743" cy="0"/>
+          </a:xfrm>
+          <a:prstGeom prst="line">
+            <a:avLst/>
+          </a:prstGeom>
+          <a:ln>
+            <a:prstDash val="dash"/>
+          </a:ln>
+        </p:spPr>
+        <p:style>
+          <a:lnRef idx="1">
+            <a:schemeClr val="accent5"/>
+          </a:lnRef>
+          <a:fillRef idx="0">
+            <a:schemeClr val="accent5"/>
+          </a:fillRef>
+          <a:effectRef idx="0">
+            <a:schemeClr val="accent5"/>
+          </a:effectRef>
+          <a:fontRef idx="minor">
+            <a:schemeClr val="tx1"/>
+          </a:fontRef>
+        </p:style>
+      </p:cxnSp>
+    </p:spTree>
+    <p:extLst>
+      <p:ext uri="{BB962C8B-B14F-4D97-AF65-F5344CB8AC3E}">
+        <p14:creationId xmlns:p14="http://schemas.microsoft.com/office/powerpoint/2010/main" val="3842430226"/>
+      </p:ext>
+    </p:extLst>
+  </p:cSld>
+  <p:clrMapOvr>
+    <a:masterClrMapping/>
+  </p:clrMapOvr>
+</p:sld>
+</file>
+
 <file path=ppt/theme/theme1.xml><?xml version="1.0" encoding="utf-8"?>
 <a:theme xmlns:a="http://schemas.openxmlformats.org/drawingml/2006/main" name="Office Theme">
   <a:themeElements>

--- a/docs/Figures.pptx
+++ b/docs/Figures.pptx
@@ -7,12 +7,6 @@
   <p:sldIdLst>
     <p:sldId id="262" r:id="rId2"/>
     <p:sldId id="263" r:id="rId3"/>
-    <p:sldId id="261" r:id="rId4"/>
-    <p:sldId id="257" r:id="rId5"/>
-    <p:sldId id="258" r:id="rId6"/>
-    <p:sldId id="259" r:id="rId7"/>
-    <p:sldId id="260" r:id="rId8"/>
-    <p:sldId id="264" r:id="rId9"/>
   </p:sldIdLst>
   <p:sldSz cx="12192000" cy="6858000"/>
   <p:notesSz cx="6858000" cy="9144000"/>
@@ -268,7 +262,7 @@
           <a:p>
             <a:fld id="{1B50286E-0A45-424A-A6D6-B3B29B5370E0}" type="datetimeFigureOut">
               <a:rPr lang="en-GB" smtClean="0"/>
-              <a:t>28/10/2022</a:t>
+              <a:t>01/12/2022</a:t>
             </a:fld>
             <a:endParaRPr lang="en-GB"/>
           </a:p>
@@ -468,7 +462,7 @@
           <a:p>
             <a:fld id="{1B50286E-0A45-424A-A6D6-B3B29B5370E0}" type="datetimeFigureOut">
               <a:rPr lang="en-GB" smtClean="0"/>
-              <a:t>28/10/2022</a:t>
+              <a:t>01/12/2022</a:t>
             </a:fld>
             <a:endParaRPr lang="en-GB"/>
           </a:p>
@@ -678,7 +672,7 @@
           <a:p>
             <a:fld id="{1B50286E-0A45-424A-A6D6-B3B29B5370E0}" type="datetimeFigureOut">
               <a:rPr lang="en-GB" smtClean="0"/>
-              <a:t>28/10/2022</a:t>
+              <a:t>01/12/2022</a:t>
             </a:fld>
             <a:endParaRPr lang="en-GB"/>
           </a:p>
@@ -878,7 +872,7 @@
           <a:p>
             <a:fld id="{1B50286E-0A45-424A-A6D6-B3B29B5370E0}" type="datetimeFigureOut">
               <a:rPr lang="en-GB" smtClean="0"/>
-              <a:t>28/10/2022</a:t>
+              <a:t>01/12/2022</a:t>
             </a:fld>
             <a:endParaRPr lang="en-GB"/>
           </a:p>
@@ -1154,7 +1148,7 @@
           <a:p>
             <a:fld id="{1B50286E-0A45-424A-A6D6-B3B29B5370E0}" type="datetimeFigureOut">
               <a:rPr lang="en-GB" smtClean="0"/>
-              <a:t>28/10/2022</a:t>
+              <a:t>01/12/2022</a:t>
             </a:fld>
             <a:endParaRPr lang="en-GB"/>
           </a:p>
@@ -1422,7 +1416,7 @@
           <a:p>
             <a:fld id="{1B50286E-0A45-424A-A6D6-B3B29B5370E0}" type="datetimeFigureOut">
               <a:rPr lang="en-GB" smtClean="0"/>
-              <a:t>28/10/2022</a:t>
+              <a:t>01/12/2022</a:t>
             </a:fld>
             <a:endParaRPr lang="en-GB"/>
           </a:p>
@@ -1837,7 +1831,7 @@
           <a:p>
             <a:fld id="{1B50286E-0A45-424A-A6D6-B3B29B5370E0}" type="datetimeFigureOut">
               <a:rPr lang="en-GB" smtClean="0"/>
-              <a:t>28/10/2022</a:t>
+              <a:t>01/12/2022</a:t>
             </a:fld>
             <a:endParaRPr lang="en-GB"/>
           </a:p>
@@ -1979,7 +1973,7 @@
           <a:p>
             <a:fld id="{1B50286E-0A45-424A-A6D6-B3B29B5370E0}" type="datetimeFigureOut">
               <a:rPr lang="en-GB" smtClean="0"/>
-              <a:t>28/10/2022</a:t>
+              <a:t>01/12/2022</a:t>
             </a:fld>
             <a:endParaRPr lang="en-GB"/>
           </a:p>
@@ -2092,7 +2086,7 @@
           <a:p>
             <a:fld id="{1B50286E-0A45-424A-A6D6-B3B29B5370E0}" type="datetimeFigureOut">
               <a:rPr lang="en-GB" smtClean="0"/>
-              <a:t>28/10/2022</a:t>
+              <a:t>01/12/2022</a:t>
             </a:fld>
             <a:endParaRPr lang="en-GB"/>
           </a:p>
@@ -2405,7 +2399,7 @@
           <a:p>
             <a:fld id="{1B50286E-0A45-424A-A6D6-B3B29B5370E0}" type="datetimeFigureOut">
               <a:rPr lang="en-GB" smtClean="0"/>
-              <a:t>28/10/2022</a:t>
+              <a:t>01/12/2022</a:t>
             </a:fld>
             <a:endParaRPr lang="en-GB"/>
           </a:p>
@@ -2694,7 +2688,7 @@
           <a:p>
             <a:fld id="{1B50286E-0A45-424A-A6D6-B3B29B5370E0}" type="datetimeFigureOut">
               <a:rPr lang="en-GB" smtClean="0"/>
-              <a:t>28/10/2022</a:t>
+              <a:t>01/12/2022</a:t>
             </a:fld>
             <a:endParaRPr lang="en-GB"/>
           </a:p>
@@ -2937,7 +2931,7 @@
           <a:p>
             <a:fld id="{1B50286E-0A45-424A-A6D6-B3B29B5370E0}" type="datetimeFigureOut">
               <a:rPr lang="en-GB" smtClean="0"/>
-              <a:t>28/10/2022</a:t>
+              <a:t>01/12/2022</a:t>
             </a:fld>
             <a:endParaRPr lang="en-GB"/>
           </a:p>
@@ -9685,680 +9679,6 @@
 </p:sld>
 </file>
 
-<file path=ppt/slides/slide3.xml><?xml version="1.0" encoding="utf-8"?>
-<p:sld xmlns:a="http://schemas.openxmlformats.org/drawingml/2006/main" xmlns:r="http://schemas.openxmlformats.org/officeDocument/2006/relationships" xmlns:p="http://schemas.openxmlformats.org/presentationml/2006/main">
-  <p:cSld>
-    <p:spTree>
-      <p:nvGrpSpPr>
-        <p:cNvPr id="1" name=""/>
-        <p:cNvGrpSpPr/>
-        <p:nvPr/>
-      </p:nvGrpSpPr>
-      <p:grpSpPr>
-        <a:xfrm>
-          <a:off x="0" y="0"/>
-          <a:ext cx="0" cy="0"/>
-          <a:chOff x="0" y="0"/>
-          <a:chExt cx="0" cy="0"/>
-        </a:xfrm>
-      </p:grpSpPr>
-      <p:pic>
-        <p:nvPicPr>
-          <p:cNvPr id="3" name="Picture 2">
-            <a:extLst>
-              <a:ext uri="{FF2B5EF4-FFF2-40B4-BE49-F238E27FC236}">
-                <a16:creationId xmlns:a16="http://schemas.microsoft.com/office/drawing/2014/main" id="{05F5528D-7BEC-ABCD-DF80-CFF6F7ACA9F3}"/>
-              </a:ext>
-            </a:extLst>
-          </p:cNvPr>
-          <p:cNvPicPr>
-            <a:picLocks noChangeAspect="1"/>
-          </p:cNvPicPr>
-          <p:nvPr/>
-        </p:nvPicPr>
-        <p:blipFill>
-          <a:blip r:embed="rId2"/>
-          <a:stretch>
-            <a:fillRect/>
-          </a:stretch>
-        </p:blipFill>
-        <p:spPr>
-          <a:xfrm>
-            <a:off x="2062067" y="403550"/>
-            <a:ext cx="8067866" cy="6050900"/>
-          </a:xfrm>
-          <a:prstGeom prst="rect">
-            <a:avLst/>
-          </a:prstGeom>
-        </p:spPr>
-      </p:pic>
-      <p:sp>
-        <p:nvSpPr>
-          <p:cNvPr id="4" name="TextBox 3">
-            <a:extLst>
-              <a:ext uri="{FF2B5EF4-FFF2-40B4-BE49-F238E27FC236}">
-                <a16:creationId xmlns:a16="http://schemas.microsoft.com/office/drawing/2014/main" id="{60A3BD4C-DDC6-DF67-41C9-DFE2CD589E13}"/>
-              </a:ext>
-            </a:extLst>
-          </p:cNvPr>
-          <p:cNvSpPr txBox="1"/>
-          <p:nvPr/>
-        </p:nvSpPr>
-        <p:spPr>
-          <a:xfrm>
-            <a:off x="524933" y="524933"/>
-            <a:ext cx="936667" cy="369332"/>
-          </a:xfrm>
-          <a:prstGeom prst="rect">
-            <a:avLst/>
-          </a:prstGeom>
-          <a:noFill/>
-        </p:spPr>
-        <p:txBody>
-          <a:bodyPr wrap="none" rtlCol="0">
-            <a:spAutoFit/>
-          </a:bodyPr>
-          <a:lstStyle/>
-          <a:p>
-            <a:r>
-              <a:rPr lang="en-GB" dirty="0"/>
-              <a:t>Figure 2</a:t>
-            </a:r>
-          </a:p>
-        </p:txBody>
-      </p:sp>
-    </p:spTree>
-    <p:extLst>
-      <p:ext uri="{BB962C8B-B14F-4D97-AF65-F5344CB8AC3E}">
-        <p14:creationId xmlns:p14="http://schemas.microsoft.com/office/powerpoint/2010/main" val="1820890081"/>
-      </p:ext>
-    </p:extLst>
-  </p:cSld>
-  <p:clrMapOvr>
-    <a:masterClrMapping/>
-  </p:clrMapOvr>
-</p:sld>
-</file>
-
-<file path=ppt/slides/slide4.xml><?xml version="1.0" encoding="utf-8"?>
-<p:sld xmlns:a="http://schemas.openxmlformats.org/drawingml/2006/main" xmlns:r="http://schemas.openxmlformats.org/officeDocument/2006/relationships" xmlns:p="http://schemas.openxmlformats.org/presentationml/2006/main">
-  <p:cSld>
-    <p:spTree>
-      <p:nvGrpSpPr>
-        <p:cNvPr id="1" name=""/>
-        <p:cNvGrpSpPr/>
-        <p:nvPr/>
-      </p:nvGrpSpPr>
-      <p:grpSpPr>
-        <a:xfrm>
-          <a:off x="0" y="0"/>
-          <a:ext cx="0" cy="0"/>
-          <a:chOff x="0" y="0"/>
-          <a:chExt cx="0" cy="0"/>
-        </a:xfrm>
-      </p:grpSpPr>
-      <p:sp>
-        <p:nvSpPr>
-          <p:cNvPr id="3" name="TextBox 2">
-            <a:extLst>
-              <a:ext uri="{FF2B5EF4-FFF2-40B4-BE49-F238E27FC236}">
-                <a16:creationId xmlns:a16="http://schemas.microsoft.com/office/drawing/2014/main" id="{FA252BD7-E385-4341-6E8C-5D547A8AE9B9}"/>
-              </a:ext>
-            </a:extLst>
-          </p:cNvPr>
-          <p:cNvSpPr txBox="1"/>
-          <p:nvPr/>
-        </p:nvSpPr>
-        <p:spPr>
-          <a:xfrm>
-            <a:off x="524933" y="524933"/>
-            <a:ext cx="936667" cy="369332"/>
-          </a:xfrm>
-          <a:prstGeom prst="rect">
-            <a:avLst/>
-          </a:prstGeom>
-          <a:noFill/>
-        </p:spPr>
-        <p:txBody>
-          <a:bodyPr wrap="none" rtlCol="0">
-            <a:spAutoFit/>
-          </a:bodyPr>
-          <a:lstStyle/>
-          <a:p>
-            <a:r>
-              <a:rPr lang="en-GB" dirty="0"/>
-              <a:t>Figure 3</a:t>
-            </a:r>
-          </a:p>
-        </p:txBody>
-      </p:sp>
-      <p:pic>
-        <p:nvPicPr>
-          <p:cNvPr id="5" name="Picture 4">
-            <a:extLst>
-              <a:ext uri="{FF2B5EF4-FFF2-40B4-BE49-F238E27FC236}">
-                <a16:creationId xmlns:a16="http://schemas.microsoft.com/office/drawing/2014/main" id="{AB72FAA0-0D66-9F7A-95BF-6CF82D2069A4}"/>
-              </a:ext>
-            </a:extLst>
-          </p:cNvPr>
-          <p:cNvPicPr>
-            <a:picLocks noChangeAspect="1"/>
-          </p:cNvPicPr>
-          <p:nvPr/>
-        </p:nvPicPr>
-        <p:blipFill>
-          <a:blip r:embed="rId2"/>
-          <a:stretch>
-            <a:fillRect/>
-          </a:stretch>
-        </p:blipFill>
-        <p:spPr>
-          <a:xfrm>
-            <a:off x="3357519" y="1183732"/>
-            <a:ext cx="5476962" cy="4107722"/>
-          </a:xfrm>
-          <a:prstGeom prst="rect">
-            <a:avLst/>
-          </a:prstGeom>
-        </p:spPr>
-      </p:pic>
-    </p:spTree>
-    <p:extLst>
-      <p:ext uri="{BB962C8B-B14F-4D97-AF65-F5344CB8AC3E}">
-        <p14:creationId xmlns:p14="http://schemas.microsoft.com/office/powerpoint/2010/main" val="3947874125"/>
-      </p:ext>
-    </p:extLst>
-  </p:cSld>
-  <p:clrMapOvr>
-    <a:masterClrMapping/>
-  </p:clrMapOvr>
-</p:sld>
-</file>
-
-<file path=ppt/slides/slide5.xml><?xml version="1.0" encoding="utf-8"?>
-<p:sld xmlns:a="http://schemas.openxmlformats.org/drawingml/2006/main" xmlns:r="http://schemas.openxmlformats.org/officeDocument/2006/relationships" xmlns:p="http://schemas.openxmlformats.org/presentationml/2006/main">
-  <p:cSld>
-    <p:spTree>
-      <p:nvGrpSpPr>
-        <p:cNvPr id="1" name=""/>
-        <p:cNvGrpSpPr/>
-        <p:nvPr/>
-      </p:nvGrpSpPr>
-      <p:grpSpPr>
-        <a:xfrm>
-          <a:off x="0" y="0"/>
-          <a:ext cx="0" cy="0"/>
-          <a:chOff x="0" y="0"/>
-          <a:chExt cx="0" cy="0"/>
-        </a:xfrm>
-      </p:grpSpPr>
-      <p:sp>
-        <p:nvSpPr>
-          <p:cNvPr id="3" name="TextBox 2">
-            <a:extLst>
-              <a:ext uri="{FF2B5EF4-FFF2-40B4-BE49-F238E27FC236}">
-                <a16:creationId xmlns:a16="http://schemas.microsoft.com/office/drawing/2014/main" id="{BDD6AA38-E6BD-326B-A075-188537932D7F}"/>
-              </a:ext>
-            </a:extLst>
-          </p:cNvPr>
-          <p:cNvSpPr txBox="1"/>
-          <p:nvPr/>
-        </p:nvSpPr>
-        <p:spPr>
-          <a:xfrm>
-            <a:off x="524933" y="524933"/>
-            <a:ext cx="936667" cy="369332"/>
-          </a:xfrm>
-          <a:prstGeom prst="rect">
-            <a:avLst/>
-          </a:prstGeom>
-          <a:noFill/>
-        </p:spPr>
-        <p:txBody>
-          <a:bodyPr wrap="none" rtlCol="0">
-            <a:spAutoFit/>
-          </a:bodyPr>
-          <a:lstStyle/>
-          <a:p>
-            <a:r>
-              <a:rPr lang="en-GB" dirty="0"/>
-              <a:t>Figure 4</a:t>
-            </a:r>
-          </a:p>
-        </p:txBody>
-      </p:sp>
-      <p:pic>
-        <p:nvPicPr>
-          <p:cNvPr id="5" name="Picture 4">
-            <a:extLst>
-              <a:ext uri="{FF2B5EF4-FFF2-40B4-BE49-F238E27FC236}">
-                <a16:creationId xmlns:a16="http://schemas.microsoft.com/office/drawing/2014/main" id="{DC93C43B-AE77-CE0B-83A1-C80346F36781}"/>
-              </a:ext>
-            </a:extLst>
-          </p:cNvPr>
-          <p:cNvPicPr>
-            <a:picLocks noChangeAspect="1"/>
-          </p:cNvPicPr>
-          <p:nvPr/>
-        </p:nvPicPr>
-        <p:blipFill>
-          <a:blip r:embed="rId2"/>
-          <a:stretch>
-            <a:fillRect/>
-          </a:stretch>
-        </p:blipFill>
-        <p:spPr>
-          <a:xfrm>
-            <a:off x="3357519" y="1375139"/>
-            <a:ext cx="5476962" cy="4107722"/>
-          </a:xfrm>
-          <a:prstGeom prst="rect">
-            <a:avLst/>
-          </a:prstGeom>
-        </p:spPr>
-      </p:pic>
-    </p:spTree>
-    <p:extLst>
-      <p:ext uri="{BB962C8B-B14F-4D97-AF65-F5344CB8AC3E}">
-        <p14:creationId xmlns:p14="http://schemas.microsoft.com/office/powerpoint/2010/main" val="2854842016"/>
-      </p:ext>
-    </p:extLst>
-  </p:cSld>
-  <p:clrMapOvr>
-    <a:masterClrMapping/>
-  </p:clrMapOvr>
-</p:sld>
-</file>
-
-<file path=ppt/slides/slide6.xml><?xml version="1.0" encoding="utf-8"?>
-<p:sld xmlns:a="http://schemas.openxmlformats.org/drawingml/2006/main" xmlns:r="http://schemas.openxmlformats.org/officeDocument/2006/relationships" xmlns:p="http://schemas.openxmlformats.org/presentationml/2006/main">
-  <p:cSld>
-    <p:spTree>
-      <p:nvGrpSpPr>
-        <p:cNvPr id="1" name=""/>
-        <p:cNvGrpSpPr/>
-        <p:nvPr/>
-      </p:nvGrpSpPr>
-      <p:grpSpPr>
-        <a:xfrm>
-          <a:off x="0" y="0"/>
-          <a:ext cx="0" cy="0"/>
-          <a:chOff x="0" y="0"/>
-          <a:chExt cx="0" cy="0"/>
-        </a:xfrm>
-      </p:grpSpPr>
-      <p:sp>
-        <p:nvSpPr>
-          <p:cNvPr id="3" name="TextBox 2">
-            <a:extLst>
-              <a:ext uri="{FF2B5EF4-FFF2-40B4-BE49-F238E27FC236}">
-                <a16:creationId xmlns:a16="http://schemas.microsoft.com/office/drawing/2014/main" id="{B2C39F84-5795-11D2-C5D9-B6232F1A6FBF}"/>
-              </a:ext>
-            </a:extLst>
-          </p:cNvPr>
-          <p:cNvSpPr txBox="1"/>
-          <p:nvPr/>
-        </p:nvSpPr>
-        <p:spPr>
-          <a:xfrm>
-            <a:off x="524933" y="524933"/>
-            <a:ext cx="936667" cy="369332"/>
-          </a:xfrm>
-          <a:prstGeom prst="rect">
-            <a:avLst/>
-          </a:prstGeom>
-          <a:noFill/>
-        </p:spPr>
-        <p:txBody>
-          <a:bodyPr wrap="none" rtlCol="0">
-            <a:spAutoFit/>
-          </a:bodyPr>
-          <a:lstStyle/>
-          <a:p>
-            <a:r>
-              <a:rPr lang="en-GB" dirty="0"/>
-              <a:t>Figure 5</a:t>
-            </a:r>
-          </a:p>
-        </p:txBody>
-      </p:sp>
-    </p:spTree>
-    <p:extLst>
-      <p:ext uri="{BB962C8B-B14F-4D97-AF65-F5344CB8AC3E}">
-        <p14:creationId xmlns:p14="http://schemas.microsoft.com/office/powerpoint/2010/main" val="2934095311"/>
-      </p:ext>
-    </p:extLst>
-  </p:cSld>
-  <p:clrMapOvr>
-    <a:masterClrMapping/>
-  </p:clrMapOvr>
-</p:sld>
-</file>
-
-<file path=ppt/slides/slide7.xml><?xml version="1.0" encoding="utf-8"?>
-<p:sld xmlns:a="http://schemas.openxmlformats.org/drawingml/2006/main" xmlns:r="http://schemas.openxmlformats.org/officeDocument/2006/relationships" xmlns:p="http://schemas.openxmlformats.org/presentationml/2006/main">
-  <p:cSld>
-    <p:spTree>
-      <p:nvGrpSpPr>
-        <p:cNvPr id="1" name=""/>
-        <p:cNvGrpSpPr/>
-        <p:nvPr/>
-      </p:nvGrpSpPr>
-      <p:grpSpPr>
-        <a:xfrm>
-          <a:off x="0" y="0"/>
-          <a:ext cx="0" cy="0"/>
-          <a:chOff x="0" y="0"/>
-          <a:chExt cx="0" cy="0"/>
-        </a:xfrm>
-      </p:grpSpPr>
-      <p:sp>
-        <p:nvSpPr>
-          <p:cNvPr id="3" name="TextBox 2">
-            <a:extLst>
-              <a:ext uri="{FF2B5EF4-FFF2-40B4-BE49-F238E27FC236}">
-                <a16:creationId xmlns:a16="http://schemas.microsoft.com/office/drawing/2014/main" id="{544FB520-62D4-DF40-743B-8228FEBE06B5}"/>
-              </a:ext>
-            </a:extLst>
-          </p:cNvPr>
-          <p:cNvSpPr txBox="1"/>
-          <p:nvPr/>
-        </p:nvSpPr>
-        <p:spPr>
-          <a:xfrm>
-            <a:off x="524933" y="524933"/>
-            <a:ext cx="1042465" cy="369332"/>
-          </a:xfrm>
-          <a:prstGeom prst="rect">
-            <a:avLst/>
-          </a:prstGeom>
-          <a:noFill/>
-        </p:spPr>
-        <p:txBody>
-          <a:bodyPr wrap="none" rtlCol="0">
-            <a:spAutoFit/>
-          </a:bodyPr>
-          <a:lstStyle/>
-          <a:p>
-            <a:r>
-              <a:rPr lang="en-GB" dirty="0"/>
-              <a:t>Figure S1</a:t>
-            </a:r>
-          </a:p>
-        </p:txBody>
-      </p:sp>
-      <p:pic>
-        <p:nvPicPr>
-          <p:cNvPr id="5" name="Picture 4">
-            <a:extLst>
-              <a:ext uri="{FF2B5EF4-FFF2-40B4-BE49-F238E27FC236}">
-                <a16:creationId xmlns:a16="http://schemas.microsoft.com/office/drawing/2014/main" id="{DA047C4D-BA88-7AC0-F901-0C32C397405C}"/>
-              </a:ext>
-            </a:extLst>
-          </p:cNvPr>
-          <p:cNvPicPr>
-            <a:picLocks noChangeAspect="1"/>
-          </p:cNvPicPr>
-          <p:nvPr/>
-        </p:nvPicPr>
-        <p:blipFill>
-          <a:blip r:embed="rId2"/>
-          <a:stretch>
-            <a:fillRect/>
-          </a:stretch>
-        </p:blipFill>
-        <p:spPr>
-          <a:xfrm>
-            <a:off x="3095625" y="0"/>
-            <a:ext cx="6000750" cy="6858000"/>
-          </a:xfrm>
-          <a:prstGeom prst="rect">
-            <a:avLst/>
-          </a:prstGeom>
-        </p:spPr>
-      </p:pic>
-    </p:spTree>
-    <p:extLst>
-      <p:ext uri="{BB962C8B-B14F-4D97-AF65-F5344CB8AC3E}">
-        <p14:creationId xmlns:p14="http://schemas.microsoft.com/office/powerpoint/2010/main" val="1872343261"/>
-      </p:ext>
-    </p:extLst>
-  </p:cSld>
-  <p:clrMapOvr>
-    <a:masterClrMapping/>
-  </p:clrMapOvr>
-</p:sld>
-</file>
-
-<file path=ppt/slides/slide8.xml><?xml version="1.0" encoding="utf-8"?>
-<p:sld xmlns:a="http://schemas.openxmlformats.org/drawingml/2006/main" xmlns:r="http://schemas.openxmlformats.org/officeDocument/2006/relationships" xmlns:p="http://schemas.openxmlformats.org/presentationml/2006/main">
-  <p:cSld>
-    <p:spTree>
-      <p:nvGrpSpPr>
-        <p:cNvPr id="1" name=""/>
-        <p:cNvGrpSpPr/>
-        <p:nvPr/>
-      </p:nvGrpSpPr>
-      <p:grpSpPr>
-        <a:xfrm>
-          <a:off x="0" y="0"/>
-          <a:ext cx="0" cy="0"/>
-          <a:chOff x="0" y="0"/>
-          <a:chExt cx="0" cy="0"/>
-        </a:xfrm>
-      </p:grpSpPr>
-      <p:pic>
-        <p:nvPicPr>
-          <p:cNvPr id="5" name="Picture 4" descr="Chart, line chart&#10;&#10;Description automatically generated">
-            <a:extLst>
-              <a:ext uri="{FF2B5EF4-FFF2-40B4-BE49-F238E27FC236}">
-                <a16:creationId xmlns:a16="http://schemas.microsoft.com/office/drawing/2014/main" id="{BB74D1DD-9465-60E7-0DA4-B8A6BE64C663}"/>
-              </a:ext>
-            </a:extLst>
-          </p:cNvPr>
-          <p:cNvPicPr>
-            <a:picLocks noChangeAspect="1"/>
-          </p:cNvPicPr>
-          <p:nvPr/>
-        </p:nvPicPr>
-        <p:blipFill>
-          <a:blip r:embed="rId2">
-            <a:extLst>
-              <a:ext uri="{28A0092B-C50C-407E-A947-70E740481C1C}">
-                <a14:useLocalDpi xmlns:a14="http://schemas.microsoft.com/office/drawing/2010/main" val="0"/>
-              </a:ext>
-            </a:extLst>
-          </a:blip>
-          <a:stretch>
-            <a:fillRect/>
-          </a:stretch>
-        </p:blipFill>
-        <p:spPr>
-          <a:xfrm>
-            <a:off x="5918555" y="2044605"/>
-            <a:ext cx="4620429" cy="3850357"/>
-          </a:xfrm>
-          <a:prstGeom prst="rect">
-            <a:avLst/>
-          </a:prstGeom>
-        </p:spPr>
-      </p:pic>
-      <p:pic>
-        <p:nvPicPr>
-          <p:cNvPr id="7" name="Picture 6" descr="Chart, line chart&#10;&#10;Description automatically generated">
-            <a:extLst>
-              <a:ext uri="{FF2B5EF4-FFF2-40B4-BE49-F238E27FC236}">
-                <a16:creationId xmlns:a16="http://schemas.microsoft.com/office/drawing/2014/main" id="{EAA11FF4-8AC3-BF05-5493-137F7A0942D4}"/>
-              </a:ext>
-            </a:extLst>
-          </p:cNvPr>
-          <p:cNvPicPr>
-            <a:picLocks noChangeAspect="1"/>
-          </p:cNvPicPr>
-          <p:nvPr/>
-        </p:nvPicPr>
-        <p:blipFill>
-          <a:blip r:embed="rId3">
-            <a:extLst>
-              <a:ext uri="{28A0092B-C50C-407E-A947-70E740481C1C}">
-                <a14:useLocalDpi xmlns:a14="http://schemas.microsoft.com/office/drawing/2010/main" val="0"/>
-              </a:ext>
-            </a:extLst>
-          </a:blip>
-          <a:stretch>
-            <a:fillRect/>
-          </a:stretch>
-        </p:blipFill>
-        <p:spPr>
-          <a:xfrm>
-            <a:off x="823603" y="2044605"/>
-            <a:ext cx="4620429" cy="3850357"/>
-          </a:xfrm>
-          <a:prstGeom prst="rect">
-            <a:avLst/>
-          </a:prstGeom>
-        </p:spPr>
-      </p:pic>
-      <p:cxnSp>
-        <p:nvCxnSpPr>
-          <p:cNvPr id="9" name="Straight Connector 8">
-            <a:extLst>
-              <a:ext uri="{FF2B5EF4-FFF2-40B4-BE49-F238E27FC236}">
-                <a16:creationId xmlns:a16="http://schemas.microsoft.com/office/drawing/2014/main" id="{02E379C5-97FE-9677-A021-64858F5DF61E}"/>
-              </a:ext>
-            </a:extLst>
-          </p:cNvPr>
-          <p:cNvCxnSpPr/>
-          <p:nvPr/>
-        </p:nvCxnSpPr>
-        <p:spPr>
-          <a:xfrm>
-            <a:off x="5167003" y="2258078"/>
-            <a:ext cx="5126476" cy="0"/>
-          </a:xfrm>
-          <a:prstGeom prst="line">
-            <a:avLst/>
-          </a:prstGeom>
-          <a:ln>
-            <a:prstDash val="dashDot"/>
-          </a:ln>
-        </p:spPr>
-        <p:style>
-          <a:lnRef idx="1">
-            <a:schemeClr val="accent2"/>
-          </a:lnRef>
-          <a:fillRef idx="0">
-            <a:schemeClr val="accent2"/>
-          </a:fillRef>
-          <a:effectRef idx="0">
-            <a:schemeClr val="accent2"/>
-          </a:effectRef>
-          <a:fontRef idx="minor">
-            <a:schemeClr val="tx1"/>
-          </a:fontRef>
-        </p:style>
-      </p:cxnSp>
-      <p:cxnSp>
-        <p:nvCxnSpPr>
-          <p:cNvPr id="10" name="Straight Connector 9">
-            <a:extLst>
-              <a:ext uri="{FF2B5EF4-FFF2-40B4-BE49-F238E27FC236}">
-                <a16:creationId xmlns:a16="http://schemas.microsoft.com/office/drawing/2014/main" id="{96BF5CFC-9CBD-1E1A-7290-B0114AC48380}"/>
-              </a:ext>
-            </a:extLst>
-          </p:cNvPr>
-          <p:cNvCxnSpPr>
-            <a:cxnSpLocks/>
-          </p:cNvCxnSpPr>
-          <p:nvPr/>
-        </p:nvCxnSpPr>
-        <p:spPr>
-          <a:xfrm>
-            <a:off x="2373003" y="3147078"/>
-            <a:ext cx="7920476" cy="0"/>
-          </a:xfrm>
-          <a:prstGeom prst="line">
-            <a:avLst/>
-          </a:prstGeom>
-          <a:ln>
-            <a:solidFill>
-              <a:schemeClr val="accent6">
-                <a:lumMod val="60000"/>
-                <a:lumOff val="40000"/>
-              </a:schemeClr>
-            </a:solidFill>
-            <a:prstDash val="dashDot"/>
-          </a:ln>
-        </p:spPr>
-        <p:style>
-          <a:lnRef idx="1">
-            <a:schemeClr val="accent2"/>
-          </a:lnRef>
-          <a:fillRef idx="0">
-            <a:schemeClr val="accent2"/>
-          </a:fillRef>
-          <a:effectRef idx="0">
-            <a:schemeClr val="accent2"/>
-          </a:effectRef>
-          <a:fontRef idx="minor">
-            <a:schemeClr val="tx1"/>
-          </a:fontRef>
-        </p:style>
-      </p:cxnSp>
-      <p:cxnSp>
-        <p:nvCxnSpPr>
-          <p:cNvPr id="11" name="Straight Connector 10">
-            <a:extLst>
-              <a:ext uri="{FF2B5EF4-FFF2-40B4-BE49-F238E27FC236}">
-                <a16:creationId xmlns:a16="http://schemas.microsoft.com/office/drawing/2014/main" id="{9B3864A0-CADE-7CA4-E7A4-522F1DC1AEA4}"/>
-              </a:ext>
-            </a:extLst>
-          </p:cNvPr>
-          <p:cNvCxnSpPr>
-            <a:cxnSpLocks/>
-          </p:cNvCxnSpPr>
-          <p:nvPr/>
-        </p:nvCxnSpPr>
-        <p:spPr>
-          <a:xfrm>
-            <a:off x="1932736" y="3739745"/>
-            <a:ext cx="8360743" cy="0"/>
-          </a:xfrm>
-          <a:prstGeom prst="line">
-            <a:avLst/>
-          </a:prstGeom>
-          <a:ln>
-            <a:prstDash val="dash"/>
-          </a:ln>
-        </p:spPr>
-        <p:style>
-          <a:lnRef idx="1">
-            <a:schemeClr val="accent5"/>
-          </a:lnRef>
-          <a:fillRef idx="0">
-            <a:schemeClr val="accent5"/>
-          </a:fillRef>
-          <a:effectRef idx="0">
-            <a:schemeClr val="accent5"/>
-          </a:effectRef>
-          <a:fontRef idx="minor">
-            <a:schemeClr val="tx1"/>
-          </a:fontRef>
-        </p:style>
-      </p:cxnSp>
-    </p:spTree>
-    <p:extLst>
-      <p:ext uri="{BB962C8B-B14F-4D97-AF65-F5344CB8AC3E}">
-        <p14:creationId xmlns:p14="http://schemas.microsoft.com/office/powerpoint/2010/main" val="3842430226"/>
-      </p:ext>
-    </p:extLst>
-  </p:cSld>
-  <p:clrMapOvr>
-    <a:masterClrMapping/>
-  </p:clrMapOvr>
-</p:sld>
-</file>
-
 <file path=ppt/theme/theme1.xml><?xml version="1.0" encoding="utf-8"?>
 <a:theme xmlns:a="http://schemas.openxmlformats.org/drawingml/2006/main" name="Office Theme">
   <a:themeElements>
